--- a/Joukowski_Results/JA_progress.pptx
+++ b/Joukowski_Results/JA_progress.pptx
@@ -240,7 +240,7 @@
             <a:fld id="{8DCF93F8-B589-4250-8E67-1F32F798FE2B}" type="datetimeFigureOut">
               <a:rPr lang="en-US" smtClean="0"/>
               <a:pPr/>
-              <a:t>4/23/2023</a:t>
+              <a:t>4/24/23</a:t>
             </a:fld>
             <a:endParaRPr lang="en-US"/>
           </a:p>
@@ -407,7 +407,7 @@
             <a:fld id="{4626A422-3101-47FE-B371-8F8DD0AC3BC9}" type="datetimeFigureOut">
               <a:rPr lang="en-US" smtClean="0"/>
               <a:pPr/>
-              <a:t>4/23/2023</a:t>
+              <a:t>4/24/23</a:t>
             </a:fld>
             <a:endParaRPr lang="en-US"/>
           </a:p>
@@ -1183,7 +1183,7 @@
               <a:pPr>
                 <a:defRPr/>
               </a:pPr>
-              <a:t>4/23/2023</a:t>
+              <a:t>4/24/23</a:t>
             </a:fld>
             <a:endParaRPr lang="en-US"/>
           </a:p>
@@ -1401,7 +1401,7 @@
               <a:pPr>
                 <a:defRPr/>
               </a:pPr>
-              <a:t>4/23/2023</a:t>
+              <a:t>4/24/23</a:t>
             </a:fld>
             <a:endParaRPr lang="en-US"/>
           </a:p>
@@ -1670,7 +1670,7 @@
             <a:fld id="{24310BCE-9078-4D43-9918-58F8622FFDBC}" type="datetime1">
               <a:rPr lang="en-US" smtClean="0"/>
               <a:pPr/>
-              <a:t>4/23/2023</a:t>
+              <a:t>4/24/23</a:t>
             </a:fld>
             <a:endParaRPr lang="en-US"/>
           </a:p>
@@ -1835,7 +1835,7 @@
             <a:fld id="{D589204F-BB04-4411-9CDB-9C9837D83C05}" type="datetime1">
               <a:rPr lang="en-US" smtClean="0"/>
               <a:pPr/>
-              <a:t>4/23/2023</a:t>
+              <a:t>4/24/23</a:t>
             </a:fld>
             <a:endParaRPr lang="en-US"/>
           </a:p>
@@ -2077,7 +2077,7 @@
             <a:fld id="{53983F0E-0FAB-4227-A939-66C696653B08}" type="datetime1">
               <a:rPr lang="en-US" smtClean="0"/>
               <a:pPr/>
-              <a:t>4/23/2023</a:t>
+              <a:t>4/24/23</a:t>
             </a:fld>
             <a:endParaRPr lang="en-US"/>
           </a:p>
@@ -2359,7 +2359,7 @@
             <a:fld id="{87FC8AC5-B02F-427F-9045-00A3D9684BB9}" type="datetime1">
               <a:rPr lang="en-US" smtClean="0"/>
               <a:pPr/>
-              <a:t>4/23/2023</a:t>
+              <a:t>4/24/23</a:t>
             </a:fld>
             <a:endParaRPr lang="en-US"/>
           </a:p>
@@ -2775,7 +2775,7 @@
             <a:fld id="{6CEA8D97-FF48-47A1-8329-B8FDF847F7E5}" type="datetime1">
               <a:rPr lang="en-US" smtClean="0"/>
               <a:pPr/>
-              <a:t>4/23/2023</a:t>
+              <a:t>4/24/23</a:t>
             </a:fld>
             <a:endParaRPr lang="en-US"/>
           </a:p>
@@ -2889,7 +2889,7 @@
             <a:fld id="{96408F94-BFB0-4573-8C38-3F4B2ACBC956}" type="datetime1">
               <a:rPr lang="en-US" smtClean="0"/>
               <a:pPr/>
-              <a:t>4/23/2023</a:t>
+              <a:t>4/24/23</a:t>
             </a:fld>
             <a:endParaRPr lang="en-US"/>
           </a:p>
@@ -2981,7 +2981,7 @@
             <a:fld id="{95CBF78E-B4D4-4DA7-86BE-F1AA32FB7340}" type="datetime1">
               <a:rPr lang="en-US" smtClean="0"/>
               <a:pPr/>
-              <a:t>4/23/2023</a:t>
+              <a:t>4/24/23</a:t>
             </a:fld>
             <a:endParaRPr lang="en-US"/>
           </a:p>
@@ -3253,7 +3253,7 @@
             <a:fld id="{8D863942-F01B-49B8-9B64-9235F0EB1B52}" type="datetime1">
               <a:rPr lang="en-US" smtClean="0"/>
               <a:pPr/>
-              <a:t>4/23/2023</a:t>
+              <a:t>4/24/23</a:t>
             </a:fld>
             <a:endParaRPr lang="en-US"/>
           </a:p>
@@ -3429,7 +3429,7 @@
               <a:pPr>
                 <a:defRPr/>
               </a:pPr>
-              <a:t>4/23/2023</a:t>
+              <a:t>4/24/23</a:t>
             </a:fld>
             <a:endParaRPr lang="en-US"/>
           </a:p>
@@ -3710,7 +3710,7 @@
             <a:fld id="{D050A56C-D544-4333-A4C4-6D8A66C94FE0}" type="datetime1">
               <a:rPr lang="en-US" smtClean="0"/>
               <a:pPr/>
-              <a:t>4/23/2023</a:t>
+              <a:t>4/24/23</a:t>
             </a:fld>
             <a:endParaRPr lang="en-US"/>
           </a:p>
@@ -3875,7 +3875,7 @@
             <a:fld id="{82735E54-C09F-4231-B478-0DEAF2093496}" type="datetime1">
               <a:rPr lang="en-US" smtClean="0"/>
               <a:pPr/>
-              <a:t>4/23/2023</a:t>
+              <a:t>4/24/23</a:t>
             </a:fld>
             <a:endParaRPr lang="en-US"/>
           </a:p>
@@ -4050,7 +4050,7 @@
             <a:fld id="{A9C4E4F0-0FBA-4E4F-B95E-4CF25BB3328F}" type="datetime1">
               <a:rPr lang="en-US" smtClean="0"/>
               <a:pPr/>
-              <a:t>4/23/2023</a:t>
+              <a:t>4/24/23</a:t>
             </a:fld>
             <a:endParaRPr lang="en-US"/>
           </a:p>
@@ -4247,7 +4247,7 @@
               <a:pPr>
                 <a:defRPr/>
               </a:pPr>
-              <a:t>4/23/2023</a:t>
+              <a:t>4/24/23</a:t>
             </a:fld>
             <a:endParaRPr lang="en-US"/>
           </a:p>
@@ -4451,7 +4451,7 @@
               <a:pPr>
                 <a:defRPr/>
               </a:pPr>
-              <a:t>4/23/2023</a:t>
+              <a:t>4/24/23</a:t>
             </a:fld>
             <a:endParaRPr lang="en-US"/>
           </a:p>
@@ -4673,7 +4673,7 @@
               <a:pPr>
                 <a:defRPr/>
               </a:pPr>
-              <a:t>4/23/2023</a:t>
+              <a:t>4/24/23</a:t>
             </a:fld>
             <a:endParaRPr lang="en-US"/>
           </a:p>
@@ -4992,7 +4992,7 @@
               <a:pPr>
                 <a:defRPr/>
               </a:pPr>
-              <a:t>4/23/2023</a:t>
+              <a:t>4/24/23</a:t>
             </a:fld>
             <a:endParaRPr lang="en-US"/>
           </a:p>
@@ -5456,7 +5456,7 @@
               <a:pPr>
                 <a:defRPr/>
               </a:pPr>
-              <a:t>4/23/2023</a:t>
+              <a:t>4/24/23</a:t>
             </a:fld>
             <a:endParaRPr lang="en-US"/>
           </a:p>
@@ -5601,7 +5601,7 @@
               <a:pPr>
                 <a:defRPr/>
               </a:pPr>
-              <a:t>4/23/2023</a:t>
+              <a:t>4/24/23</a:t>
             </a:fld>
             <a:endParaRPr lang="en-US"/>
           </a:p>
@@ -5724,7 +5724,7 @@
               <a:pPr>
                 <a:defRPr/>
               </a:pPr>
-              <a:t>4/23/2023</a:t>
+              <a:t>4/24/23</a:t>
             </a:fld>
             <a:endParaRPr lang="en-US"/>
           </a:p>
@@ -5943,7 +5943,7 @@
               <a:pPr>
                 <a:defRPr/>
               </a:pPr>
-              <a:t>4/23/2023</a:t>
+              <a:t>4/24/23</a:t>
             </a:fld>
             <a:endParaRPr lang="en-US"/>
           </a:p>
@@ -6264,7 +6264,7 @@
               <a:pPr>
                 <a:defRPr/>
               </a:pPr>
-              <a:t>4/23/2023</a:t>
+              <a:t>4/24/23</a:t>
             </a:fld>
             <a:endParaRPr lang="en-US"/>
           </a:p>
@@ -6551,7 +6551,7 @@
               <a:pPr>
                 <a:defRPr/>
               </a:pPr>
-              <a:t>4/23/2023</a:t>
+              <a:t>4/24/23</a:t>
             </a:fld>
             <a:endParaRPr lang="en-US"/>
           </a:p>
@@ -6755,7 +6755,7 @@
               <a:pPr>
                 <a:defRPr/>
               </a:pPr>
-              <a:t>4/23/2023</a:t>
+              <a:t>4/24/23</a:t>
             </a:fld>
             <a:endParaRPr lang="en-US"/>
           </a:p>
@@ -6964,7 +6964,7 @@
               <a:pPr>
                 <a:defRPr/>
               </a:pPr>
-              <a:t>4/23/2023</a:t>
+              <a:t>4/24/23</a:t>
             </a:fld>
             <a:endParaRPr lang="en-US"/>
           </a:p>
@@ -7221,7 +7221,7 @@
             <a:fld id="{561D1F97-3FE3-479A-AC95-64C747A617D1}" type="datetime1">
               <a:rPr lang="en-US" smtClean="0"/>
               <a:pPr/>
-              <a:t>4/23/2023</a:t>
+              <a:t>4/24/23</a:t>
             </a:fld>
             <a:endParaRPr lang="en-US"/>
           </a:p>
@@ -7386,7 +7386,7 @@
             <a:fld id="{54D06768-DBAC-4AAF-8546-0FAEB6FDAD6F}" type="datetime1">
               <a:rPr lang="en-US" smtClean="0"/>
               <a:pPr/>
-              <a:t>4/23/2023</a:t>
+              <a:t>4/24/23</a:t>
             </a:fld>
             <a:endParaRPr lang="en-US"/>
           </a:p>
@@ -7628,7 +7628,7 @@
             <a:fld id="{8019C710-24EF-4E15-9E8A-A77556C37BEF}" type="datetime1">
               <a:rPr lang="en-US" smtClean="0"/>
               <a:pPr/>
-              <a:t>4/23/2023</a:t>
+              <a:t>4/24/23</a:t>
             </a:fld>
             <a:endParaRPr lang="en-US"/>
           </a:p>
@@ -7910,7 +7910,7 @@
             <a:fld id="{34B0F0F3-644A-4455-8DE4-A29F261AA12E}" type="datetime1">
               <a:rPr lang="en-US" smtClean="0"/>
               <a:pPr/>
-              <a:t>4/23/2023</a:t>
+              <a:t>4/24/23</a:t>
             </a:fld>
             <a:endParaRPr lang="en-US"/>
           </a:p>
@@ -8326,7 +8326,7 @@
             <a:fld id="{AF0F180F-F1D1-468F-B204-616A7C520706}" type="datetime1">
               <a:rPr lang="en-US" smtClean="0"/>
               <a:pPr/>
-              <a:t>4/23/2023</a:t>
+              <a:t>4/24/23</a:t>
             </a:fld>
             <a:endParaRPr lang="en-US"/>
           </a:p>
@@ -8440,7 +8440,7 @@
             <a:fld id="{C5A5CA74-4C8D-454D-8A5F-D65E48188A67}" type="datetime1">
               <a:rPr lang="en-US" smtClean="0"/>
               <a:pPr/>
-              <a:t>4/23/2023</a:t>
+              <a:t>4/24/23</a:t>
             </a:fld>
             <a:endParaRPr lang="en-US"/>
           </a:p>
@@ -8733,7 +8733,7 @@
               <a:pPr>
                 <a:defRPr/>
               </a:pPr>
-              <a:t>4/23/2023</a:t>
+              <a:t>4/24/23</a:t>
             </a:fld>
             <a:endParaRPr lang="en-US"/>
           </a:p>
@@ -8857,7 +8857,7 @@
             <a:fld id="{DC32F517-041C-46BA-9E1C-3A8E47BC06D5}" type="datetime1">
               <a:rPr lang="en-US" smtClean="0"/>
               <a:pPr/>
-              <a:t>4/23/2023</a:t>
+              <a:t>4/24/23</a:t>
             </a:fld>
             <a:endParaRPr lang="en-US"/>
           </a:p>
@@ -9129,7 +9129,7 @@
             <a:fld id="{F6CE913E-0C22-43A3-BB29-59B695B16180}" type="datetime1">
               <a:rPr lang="en-US" smtClean="0"/>
               <a:pPr/>
-              <a:t>4/23/2023</a:t>
+              <a:t>4/24/23</a:t>
             </a:fld>
             <a:endParaRPr lang="en-US"/>
           </a:p>
@@ -9378,7 +9378,7 @@
             <a:fld id="{D5BE1A6E-8EF9-4680-9222-3AF36AE33CC6}" type="datetime1">
               <a:rPr lang="en-US" smtClean="0"/>
               <a:pPr/>
-              <a:t>4/23/2023</a:t>
+              <a:t>4/24/23</a:t>
             </a:fld>
             <a:endParaRPr lang="en-US"/>
           </a:p>
@@ -9543,7 +9543,7 @@
             <a:fld id="{54A6FFC7-5BC1-4F26-9531-7F91897EC24F}" type="datetime1">
               <a:rPr lang="en-US" smtClean="0"/>
               <a:pPr/>
-              <a:t>4/23/2023</a:t>
+              <a:t>4/24/23</a:t>
             </a:fld>
             <a:endParaRPr lang="en-US"/>
           </a:p>
@@ -9718,7 +9718,7 @@
             <a:fld id="{F5697C55-921A-47A8-AD73-E1EC2F6AA62B}" type="datetime1">
               <a:rPr lang="en-US" smtClean="0"/>
               <a:pPr/>
-              <a:t>4/23/2023</a:t>
+              <a:t>4/24/23</a:t>
             </a:fld>
             <a:endParaRPr lang="en-US"/>
           </a:p>
@@ -9817,10 +9817,9 @@
           </a:lstStyle>
           <a:p>
             <a:r>
-              <a:rPr lang="en-US" smtClean="0"/>
+              <a:rPr lang="en-US"/>
               <a:t>Click to edit Master title style</a:t>
             </a:r>
-            <a:endParaRPr lang="en-US"/>
           </a:p>
         </p:txBody>
       </p:sp>
@@ -9882,10 +9881,9 @@
           </a:lstStyle>
           <a:p>
             <a:r>
-              <a:rPr lang="en-US" smtClean="0"/>
+              <a:rPr lang="en-US"/>
               <a:t>Click to edit Master subtitle style</a:t>
             </a:r>
-            <a:endParaRPr lang="en-US"/>
           </a:p>
         </p:txBody>
       </p:sp>
@@ -9906,7 +9904,7 @@
           <a:p>
             <a:fld id="{30BF5E9E-A594-46FD-9DD6-81D730FCBA64}" type="datetimeFigureOut">
               <a:rPr lang="en-US" smtClean="0"/>
-              <a:t>4/23/2023</a:t>
+              <a:t>4/24/23</a:t>
             </a:fld>
             <a:endParaRPr lang="en-US"/>
           </a:p>
@@ -10000,10 +9998,9 @@
           <a:lstStyle/>
           <a:p>
             <a:r>
-              <a:rPr lang="en-US" dirty="0" smtClean="0"/>
+              <a:rPr lang="en-US" dirty="0"/>
               <a:t>Click to edit Master title style</a:t>
             </a:r>
-            <a:endParaRPr lang="en-US" dirty="0"/>
           </a:p>
         </p:txBody>
       </p:sp>
@@ -10024,38 +10021,37 @@
           <a:p>
             <a:pPr lvl="0"/>
             <a:r>
-              <a:rPr lang="en-US" dirty="0" smtClean="0"/>
+              <a:rPr lang="en-US" dirty="0"/>
               <a:t>Click to edit Master text styles</a:t>
             </a:r>
           </a:p>
           <a:p>
             <a:pPr lvl="1"/>
             <a:r>
-              <a:rPr lang="en-US" dirty="0" smtClean="0"/>
+              <a:rPr lang="en-US" dirty="0"/>
               <a:t>Second level</a:t>
             </a:r>
           </a:p>
           <a:p>
             <a:pPr lvl="2"/>
             <a:r>
-              <a:rPr lang="en-US" dirty="0" smtClean="0"/>
+              <a:rPr lang="en-US" dirty="0"/>
               <a:t>Third level</a:t>
             </a:r>
           </a:p>
           <a:p>
             <a:pPr lvl="3"/>
             <a:r>
-              <a:rPr lang="en-US" dirty="0" smtClean="0"/>
+              <a:rPr lang="en-US" dirty="0"/>
               <a:t>Fourth level</a:t>
             </a:r>
           </a:p>
           <a:p>
             <a:pPr lvl="4"/>
             <a:r>
-              <a:rPr lang="en-US" dirty="0" smtClean="0"/>
+              <a:rPr lang="en-US" dirty="0"/>
               <a:t>Fifth level</a:t>
             </a:r>
-            <a:endParaRPr lang="en-US" dirty="0"/>
           </a:p>
         </p:txBody>
       </p:sp>
@@ -10076,7 +10072,7 @@
           <a:p>
             <a:fld id="{30BF5E9E-A594-46FD-9DD6-81D730FCBA64}" type="datetimeFigureOut">
               <a:rPr lang="en-US" smtClean="0"/>
-              <a:t>4/23/2023</a:t>
+              <a:t>4/24/23</a:t>
             </a:fld>
             <a:endParaRPr lang="en-US"/>
           </a:p>
@@ -10179,10 +10175,9 @@
           </a:lstStyle>
           <a:p>
             <a:r>
-              <a:rPr lang="en-US" smtClean="0"/>
+              <a:rPr lang="en-US"/>
               <a:t>Click to edit Master title style</a:t>
             </a:r>
-            <a:endParaRPr lang="en-US"/>
           </a:p>
         </p:txBody>
       </p:sp>
@@ -10299,7 +10294,7 @@
           <a:p>
             <a:pPr lvl="0"/>
             <a:r>
-              <a:rPr lang="en-US" smtClean="0"/>
+              <a:rPr lang="en-US"/>
               <a:t>Click to edit Master text styles</a:t>
             </a:r>
           </a:p>
@@ -10322,7 +10317,7 @@
           <a:p>
             <a:fld id="{30BF5E9E-A594-46FD-9DD6-81D730FCBA64}" type="datetimeFigureOut">
               <a:rPr lang="en-US" smtClean="0"/>
-              <a:t>4/23/2023</a:t>
+              <a:t>4/24/23</a:t>
             </a:fld>
             <a:endParaRPr lang="en-US"/>
           </a:p>
@@ -10416,10 +10411,9 @@
           <a:lstStyle/>
           <a:p>
             <a:r>
-              <a:rPr lang="en-US" smtClean="0"/>
+              <a:rPr lang="en-US"/>
               <a:t>Click to edit Master title style</a:t>
             </a:r>
-            <a:endParaRPr lang="en-US"/>
           </a:p>
         </p:txBody>
       </p:sp>
@@ -10445,38 +10439,37 @@
           <a:p>
             <a:pPr lvl="0"/>
             <a:r>
-              <a:rPr lang="en-US" smtClean="0"/>
+              <a:rPr lang="en-US"/>
               <a:t>Click to edit Master text styles</a:t>
             </a:r>
           </a:p>
           <a:p>
             <a:pPr lvl="1"/>
             <a:r>
-              <a:rPr lang="en-US" smtClean="0"/>
+              <a:rPr lang="en-US"/>
               <a:t>Second level</a:t>
             </a:r>
           </a:p>
           <a:p>
             <a:pPr lvl="2"/>
             <a:r>
-              <a:rPr lang="en-US" smtClean="0"/>
+              <a:rPr lang="en-US"/>
               <a:t>Third level</a:t>
             </a:r>
           </a:p>
           <a:p>
             <a:pPr lvl="3"/>
             <a:r>
-              <a:rPr lang="en-US" smtClean="0"/>
+              <a:rPr lang="en-US"/>
               <a:t>Fourth level</a:t>
             </a:r>
           </a:p>
           <a:p>
             <a:pPr lvl="4"/>
             <a:r>
-              <a:rPr lang="en-US" smtClean="0"/>
+              <a:rPr lang="en-US"/>
               <a:t>Fifth level</a:t>
             </a:r>
-            <a:endParaRPr lang="en-US"/>
           </a:p>
         </p:txBody>
       </p:sp>
@@ -10502,38 +10495,37 @@
           <a:p>
             <a:pPr lvl="0"/>
             <a:r>
-              <a:rPr lang="en-US" smtClean="0"/>
+              <a:rPr lang="en-US"/>
               <a:t>Click to edit Master text styles</a:t>
             </a:r>
           </a:p>
           <a:p>
             <a:pPr lvl="1"/>
             <a:r>
-              <a:rPr lang="en-US" smtClean="0"/>
+              <a:rPr lang="en-US"/>
               <a:t>Second level</a:t>
             </a:r>
           </a:p>
           <a:p>
             <a:pPr lvl="2"/>
             <a:r>
-              <a:rPr lang="en-US" smtClean="0"/>
+              <a:rPr lang="en-US"/>
               <a:t>Third level</a:t>
             </a:r>
           </a:p>
           <a:p>
             <a:pPr lvl="3"/>
             <a:r>
-              <a:rPr lang="en-US" smtClean="0"/>
+              <a:rPr lang="en-US"/>
               <a:t>Fourth level</a:t>
             </a:r>
           </a:p>
           <a:p>
             <a:pPr lvl="4"/>
             <a:r>
-              <a:rPr lang="en-US" smtClean="0"/>
+              <a:rPr lang="en-US"/>
               <a:t>Fifth level</a:t>
             </a:r>
-            <a:endParaRPr lang="en-US"/>
           </a:p>
         </p:txBody>
       </p:sp>
@@ -10554,7 +10546,7 @@
           <a:p>
             <a:fld id="{30BF5E9E-A594-46FD-9DD6-81D730FCBA64}" type="datetimeFigureOut">
               <a:rPr lang="en-US" smtClean="0"/>
-              <a:t>4/23/2023</a:t>
+              <a:t>4/24/23</a:t>
             </a:fld>
             <a:endParaRPr lang="en-US"/>
           </a:p>
@@ -10653,10 +10645,9 @@
           <a:lstStyle/>
           <a:p>
             <a:r>
-              <a:rPr lang="en-US" smtClean="0"/>
+              <a:rPr lang="en-US"/>
               <a:t>Click to edit Master title style</a:t>
             </a:r>
-            <a:endParaRPr lang="en-US"/>
           </a:p>
         </p:txBody>
       </p:sp>
@@ -10719,7 +10710,7 @@
           <a:p>
             <a:pPr lvl="0"/>
             <a:r>
-              <a:rPr lang="en-US" smtClean="0"/>
+              <a:rPr lang="en-US"/>
               <a:t>Click to edit Master text styles</a:t>
             </a:r>
           </a:p>
@@ -10747,38 +10738,37 @@
           <a:p>
             <a:pPr lvl="0"/>
             <a:r>
-              <a:rPr lang="en-US" smtClean="0"/>
+              <a:rPr lang="en-US"/>
               <a:t>Click to edit Master text styles</a:t>
             </a:r>
           </a:p>
           <a:p>
             <a:pPr lvl="1"/>
             <a:r>
-              <a:rPr lang="en-US" smtClean="0"/>
+              <a:rPr lang="en-US"/>
               <a:t>Second level</a:t>
             </a:r>
           </a:p>
           <a:p>
             <a:pPr lvl="2"/>
             <a:r>
-              <a:rPr lang="en-US" smtClean="0"/>
+              <a:rPr lang="en-US"/>
               <a:t>Third level</a:t>
             </a:r>
           </a:p>
           <a:p>
             <a:pPr lvl="3"/>
             <a:r>
-              <a:rPr lang="en-US" smtClean="0"/>
+              <a:rPr lang="en-US"/>
               <a:t>Fourth level</a:t>
             </a:r>
           </a:p>
           <a:p>
             <a:pPr lvl="4"/>
             <a:r>
-              <a:rPr lang="en-US" smtClean="0"/>
+              <a:rPr lang="en-US"/>
               <a:t>Fifth level</a:t>
             </a:r>
-            <a:endParaRPr lang="en-US"/>
           </a:p>
         </p:txBody>
       </p:sp>
@@ -10841,7 +10831,7 @@
           <a:p>
             <a:pPr lvl="0"/>
             <a:r>
-              <a:rPr lang="en-US" smtClean="0"/>
+              <a:rPr lang="en-US"/>
               <a:t>Click to edit Master text styles</a:t>
             </a:r>
           </a:p>
@@ -10869,38 +10859,37 @@
           <a:p>
             <a:pPr lvl="0"/>
             <a:r>
-              <a:rPr lang="en-US" smtClean="0"/>
+              <a:rPr lang="en-US"/>
               <a:t>Click to edit Master text styles</a:t>
             </a:r>
           </a:p>
           <a:p>
             <a:pPr lvl="1"/>
             <a:r>
-              <a:rPr lang="en-US" smtClean="0"/>
+              <a:rPr lang="en-US"/>
               <a:t>Second level</a:t>
             </a:r>
           </a:p>
           <a:p>
             <a:pPr lvl="2"/>
             <a:r>
-              <a:rPr lang="en-US" smtClean="0"/>
+              <a:rPr lang="en-US"/>
               <a:t>Third level</a:t>
             </a:r>
           </a:p>
           <a:p>
             <a:pPr lvl="3"/>
             <a:r>
-              <a:rPr lang="en-US" smtClean="0"/>
+              <a:rPr lang="en-US"/>
               <a:t>Fourth level</a:t>
             </a:r>
           </a:p>
           <a:p>
             <a:pPr lvl="4"/>
             <a:r>
-              <a:rPr lang="en-US" smtClean="0"/>
+              <a:rPr lang="en-US"/>
               <a:t>Fifth level</a:t>
             </a:r>
-            <a:endParaRPr lang="en-US"/>
           </a:p>
         </p:txBody>
       </p:sp>
@@ -10921,7 +10910,7 @@
           <a:p>
             <a:fld id="{30BF5E9E-A594-46FD-9DD6-81D730FCBA64}" type="datetimeFigureOut">
               <a:rPr lang="en-US" smtClean="0"/>
-              <a:t>4/23/2023</a:t>
+              <a:t>4/24/23</a:t>
             </a:fld>
             <a:endParaRPr lang="en-US"/>
           </a:p>
@@ -11357,7 +11346,7 @@
               <a:pPr>
                 <a:defRPr/>
               </a:pPr>
-              <a:t>4/23/2023</a:t>
+              <a:t>4/24/23</a:t>
             </a:fld>
             <a:endParaRPr lang="en-US"/>
           </a:p>
@@ -11479,10 +11468,9 @@
           <a:lstStyle/>
           <a:p>
             <a:r>
-              <a:rPr lang="en-US" smtClean="0"/>
+              <a:rPr lang="en-US"/>
               <a:t>Click to edit Master title style</a:t>
             </a:r>
-            <a:endParaRPr lang="en-US"/>
           </a:p>
         </p:txBody>
       </p:sp>
@@ -11503,7 +11491,7 @@
           <a:p>
             <a:fld id="{30BF5E9E-A594-46FD-9DD6-81D730FCBA64}" type="datetimeFigureOut">
               <a:rPr lang="en-US" smtClean="0"/>
-              <a:t>4/23/2023</a:t>
+              <a:t>4/24/23</a:t>
             </a:fld>
             <a:endParaRPr lang="en-US"/>
           </a:p>
@@ -11598,7 +11586,7 @@
           <a:p>
             <a:fld id="{30BF5E9E-A594-46FD-9DD6-81D730FCBA64}" type="datetimeFigureOut">
               <a:rPr lang="en-US" smtClean="0"/>
-              <a:t>4/23/2023</a:t>
+              <a:t>4/24/23</a:t>
             </a:fld>
             <a:endParaRPr lang="en-US"/>
           </a:p>
@@ -11701,10 +11689,9 @@
           </a:lstStyle>
           <a:p>
             <a:r>
-              <a:rPr lang="en-US" smtClean="0"/>
+              <a:rPr lang="en-US"/>
               <a:t>Click to edit Master title style</a:t>
             </a:r>
-            <a:endParaRPr lang="en-US"/>
           </a:p>
         </p:txBody>
       </p:sp>
@@ -11758,38 +11745,37 @@
           <a:p>
             <a:pPr lvl="0"/>
             <a:r>
-              <a:rPr lang="en-US" smtClean="0"/>
+              <a:rPr lang="en-US"/>
               <a:t>Click to edit Master text styles</a:t>
             </a:r>
           </a:p>
           <a:p>
             <a:pPr lvl="1"/>
             <a:r>
-              <a:rPr lang="en-US" smtClean="0"/>
+              <a:rPr lang="en-US"/>
               <a:t>Second level</a:t>
             </a:r>
           </a:p>
           <a:p>
             <a:pPr lvl="2"/>
             <a:r>
-              <a:rPr lang="en-US" smtClean="0"/>
+              <a:rPr lang="en-US"/>
               <a:t>Third level</a:t>
             </a:r>
           </a:p>
           <a:p>
             <a:pPr lvl="3"/>
             <a:r>
-              <a:rPr lang="en-US" smtClean="0"/>
+              <a:rPr lang="en-US"/>
               <a:t>Fourth level</a:t>
             </a:r>
           </a:p>
           <a:p>
             <a:pPr lvl="4"/>
             <a:r>
-              <a:rPr lang="en-US" smtClean="0"/>
+              <a:rPr lang="en-US"/>
               <a:t>Fifth level</a:t>
             </a:r>
-            <a:endParaRPr lang="en-US"/>
           </a:p>
         </p:txBody>
       </p:sp>
@@ -11852,7 +11838,7 @@
           <a:p>
             <a:pPr lvl="0"/>
             <a:r>
-              <a:rPr lang="en-US" smtClean="0"/>
+              <a:rPr lang="en-US"/>
               <a:t>Click to edit Master text styles</a:t>
             </a:r>
           </a:p>
@@ -11875,7 +11861,7 @@
           <a:p>
             <a:fld id="{30BF5E9E-A594-46FD-9DD6-81D730FCBA64}" type="datetimeFigureOut">
               <a:rPr lang="en-US" smtClean="0"/>
-              <a:t>4/23/2023</a:t>
+              <a:t>4/24/23</a:t>
             </a:fld>
             <a:endParaRPr lang="en-US"/>
           </a:p>
@@ -11978,10 +11964,9 @@
           </a:lstStyle>
           <a:p>
             <a:r>
-              <a:rPr lang="en-US" smtClean="0"/>
+              <a:rPr lang="en-US"/>
               <a:t>Click to edit Master title style</a:t>
             </a:r>
-            <a:endParaRPr lang="en-US"/>
           </a:p>
         </p:txBody>
       </p:sp>
@@ -12105,7 +12090,7 @@
           <a:p>
             <a:pPr lvl="0"/>
             <a:r>
-              <a:rPr lang="en-US" smtClean="0"/>
+              <a:rPr lang="en-US"/>
               <a:t>Click to edit Master text styles</a:t>
             </a:r>
           </a:p>
@@ -12128,7 +12113,7 @@
           <a:p>
             <a:fld id="{30BF5E9E-A594-46FD-9DD6-81D730FCBA64}" type="datetimeFigureOut">
               <a:rPr lang="en-US" smtClean="0"/>
-              <a:t>4/23/2023</a:t>
+              <a:t>4/24/23</a:t>
             </a:fld>
             <a:endParaRPr lang="en-US"/>
           </a:p>
@@ -12222,10 +12207,9 @@
           <a:lstStyle/>
           <a:p>
             <a:r>
-              <a:rPr lang="en-US" smtClean="0"/>
+              <a:rPr lang="en-US"/>
               <a:t>Click to edit Master title style</a:t>
             </a:r>
-            <a:endParaRPr lang="en-US"/>
           </a:p>
         </p:txBody>
       </p:sp>
@@ -12246,38 +12230,37 @@
           <a:p>
             <a:pPr lvl="0"/>
             <a:r>
-              <a:rPr lang="en-US" smtClean="0"/>
+              <a:rPr lang="en-US"/>
               <a:t>Click to edit Master text styles</a:t>
             </a:r>
           </a:p>
           <a:p>
             <a:pPr lvl="1"/>
             <a:r>
-              <a:rPr lang="en-US" smtClean="0"/>
+              <a:rPr lang="en-US"/>
               <a:t>Second level</a:t>
             </a:r>
           </a:p>
           <a:p>
             <a:pPr lvl="2"/>
             <a:r>
-              <a:rPr lang="en-US" smtClean="0"/>
+              <a:rPr lang="en-US"/>
               <a:t>Third level</a:t>
             </a:r>
           </a:p>
           <a:p>
             <a:pPr lvl="3"/>
             <a:r>
-              <a:rPr lang="en-US" smtClean="0"/>
+              <a:rPr lang="en-US"/>
               <a:t>Fourth level</a:t>
             </a:r>
           </a:p>
           <a:p>
             <a:pPr lvl="4"/>
             <a:r>
-              <a:rPr lang="en-US" smtClean="0"/>
+              <a:rPr lang="en-US"/>
               <a:t>Fifth level</a:t>
             </a:r>
-            <a:endParaRPr lang="en-US"/>
           </a:p>
         </p:txBody>
       </p:sp>
@@ -12298,7 +12281,7 @@
           <a:p>
             <a:fld id="{30BF5E9E-A594-46FD-9DD6-81D730FCBA64}" type="datetimeFigureOut">
               <a:rPr lang="en-US" smtClean="0"/>
-              <a:t>4/23/2023</a:t>
+              <a:t>4/24/23</a:t>
             </a:fld>
             <a:endParaRPr lang="en-US"/>
           </a:p>
@@ -12397,10 +12380,9 @@
           <a:lstStyle/>
           <a:p>
             <a:r>
-              <a:rPr lang="en-US" smtClean="0"/>
+              <a:rPr lang="en-US"/>
               <a:t>Click to edit Master title style</a:t>
             </a:r>
-            <a:endParaRPr lang="en-US"/>
           </a:p>
         </p:txBody>
       </p:sp>
@@ -12426,38 +12408,37 @@
           <a:p>
             <a:pPr lvl="0"/>
             <a:r>
-              <a:rPr lang="en-US" smtClean="0"/>
+              <a:rPr lang="en-US"/>
               <a:t>Click to edit Master text styles</a:t>
             </a:r>
           </a:p>
           <a:p>
             <a:pPr lvl="1"/>
             <a:r>
-              <a:rPr lang="en-US" smtClean="0"/>
+              <a:rPr lang="en-US"/>
               <a:t>Second level</a:t>
             </a:r>
           </a:p>
           <a:p>
             <a:pPr lvl="2"/>
             <a:r>
-              <a:rPr lang="en-US" smtClean="0"/>
+              <a:rPr lang="en-US"/>
               <a:t>Third level</a:t>
             </a:r>
           </a:p>
           <a:p>
             <a:pPr lvl="3"/>
             <a:r>
-              <a:rPr lang="en-US" smtClean="0"/>
+              <a:rPr lang="en-US"/>
               <a:t>Fourth level</a:t>
             </a:r>
           </a:p>
           <a:p>
             <a:pPr lvl="4"/>
             <a:r>
-              <a:rPr lang="en-US" smtClean="0"/>
+              <a:rPr lang="en-US"/>
               <a:t>Fifth level</a:t>
             </a:r>
-            <a:endParaRPr lang="en-US"/>
           </a:p>
         </p:txBody>
       </p:sp>
@@ -12478,7 +12459,7 @@
           <a:p>
             <a:fld id="{30BF5E9E-A594-46FD-9DD6-81D730FCBA64}" type="datetimeFigureOut">
               <a:rPr lang="en-US" smtClean="0"/>
-              <a:t>4/23/2023</a:t>
+              <a:t>4/24/23</a:t>
             </a:fld>
             <a:endParaRPr lang="en-US"/>
           </a:p>
@@ -12784,7 +12765,7 @@
               <a:pPr>
                 <a:defRPr/>
               </a:pPr>
-              <a:t>4/23/2023</a:t>
+              <a:t>4/24/23</a:t>
             </a:fld>
             <a:endParaRPr lang="en-US"/>
           </a:p>
@@ -13023,7 +13004,7 @@
               <a:pPr>
                 <a:defRPr/>
               </a:pPr>
-              <a:t>4/23/2023</a:t>
+              <a:t>4/24/23</a:t>
             </a:fld>
             <a:endParaRPr lang="en-US"/>
           </a:p>
@@ -13356,7 +13337,7 @@
               <a:pPr>
                 <a:defRPr/>
               </a:pPr>
-              <a:t>4/23/2023</a:t>
+              <a:t>4/24/23</a:t>
             </a:fld>
             <a:endParaRPr lang="en-US"/>
           </a:p>
@@ -13521,7 +13502,7 @@
               <a:pPr>
                 <a:defRPr/>
               </a:pPr>
-              <a:t>4/23/2023</a:t>
+              <a:t>4/24/23</a:t>
             </a:fld>
             <a:endParaRPr lang="en-US"/>
           </a:p>
@@ -13985,7 +13966,7 @@
               <a:pPr>
                 <a:defRPr/>
               </a:pPr>
-              <a:t>4/23/2023</a:t>
+              <a:t>4/24/23</a:t>
             </a:fld>
             <a:endParaRPr lang="en-US"/>
           </a:p>
@@ -14150,7 +14131,7 @@
               <a:pPr>
                 <a:defRPr/>
               </a:pPr>
-              <a:t>4/23/2023</a:t>
+              <a:t>4/24/23</a:t>
             </a:fld>
             <a:endParaRPr lang="en-US"/>
           </a:p>
@@ -14293,7 +14274,7 @@
               <a:pPr>
                 <a:defRPr/>
               </a:pPr>
-              <a:t>4/23/2023</a:t>
+              <a:t>4/24/23</a:t>
             </a:fld>
             <a:endParaRPr lang="en-US"/>
           </a:p>
@@ -14616,7 +14597,7 @@
               <a:pPr>
                 <a:defRPr/>
               </a:pPr>
-              <a:t>4/23/2023</a:t>
+              <a:t>4/24/23</a:t>
             </a:fld>
             <a:endParaRPr lang="en-US"/>
           </a:p>
@@ -14917,7 +14898,7 @@
               <a:pPr>
                 <a:defRPr/>
               </a:pPr>
-              <a:t>4/23/2023</a:t>
+              <a:t>4/24/23</a:t>
             </a:fld>
             <a:endParaRPr lang="en-US"/>
           </a:p>
@@ -15133,7 +15114,7 @@
               <a:pPr>
                 <a:defRPr/>
               </a:pPr>
-              <a:t>4/23/2023</a:t>
+              <a:t>4/24/23</a:t>
             </a:fld>
             <a:endParaRPr lang="en-US"/>
           </a:p>
@@ -15359,7 +15340,7 @@
               <a:pPr>
                 <a:defRPr/>
               </a:pPr>
-              <a:t>4/23/2023</a:t>
+              <a:t>4/24/23</a:t>
             </a:fld>
             <a:endParaRPr lang="en-US"/>
           </a:p>
@@ -15502,7 +15483,7 @@
               <a:pPr>
                 <a:defRPr/>
               </a:pPr>
-              <a:t>4/23/2023</a:t>
+              <a:t>4/24/23</a:t>
             </a:fld>
             <a:endParaRPr lang="en-US"/>
           </a:p>
@@ -15817,7 +15798,7 @@
               <a:pPr>
                 <a:defRPr/>
               </a:pPr>
-              <a:t>4/23/2023</a:t>
+              <a:t>4/24/23</a:t>
             </a:fld>
             <a:endParaRPr lang="en-US"/>
           </a:p>
@@ -16110,7 +16091,7 @@
               <a:pPr>
                 <a:defRPr/>
               </a:pPr>
-              <a:t>4/23/2023</a:t>
+              <a:t>4/24/23</a:t>
             </a:fld>
             <a:endParaRPr lang="en-US"/>
           </a:p>
@@ -16420,7 +16401,7 @@
               <a:pPr>
                 <a:defRPr/>
               </a:pPr>
-              <a:t>4/23/2023</a:t>
+              <a:t>4/24/23</a:t>
             </a:fld>
             <a:endParaRPr lang="en-US"/>
           </a:p>
@@ -17100,7 +17081,7 @@
             <a:fld id="{95CBF78E-B4D4-4DA7-86BE-F1AA32FB7340}" type="datetime1">
               <a:rPr lang="en-US" smtClean="0"/>
               <a:pPr/>
-              <a:t>4/23/2023</a:t>
+              <a:t>4/24/23</a:t>
             </a:fld>
             <a:endParaRPr lang="en-US"/>
           </a:p>
@@ -17604,7 +17585,7 @@
               <a:pPr>
                 <a:defRPr/>
               </a:pPr>
-              <a:t>4/23/2023</a:t>
+              <a:t>4/24/23</a:t>
             </a:fld>
             <a:endParaRPr lang="en-US"/>
           </a:p>
@@ -18268,7 +18249,7 @@
             <a:fld id="{D5EB4FC1-90B8-43FB-ADDB-309D726B4819}" type="datetime1">
               <a:rPr lang="en-US" smtClean="0"/>
               <a:pPr/>
-              <a:t>4/23/2023</a:t>
+              <a:t>4/24/23</a:t>
             </a:fld>
             <a:endParaRPr lang="en-US"/>
           </a:p>
@@ -18671,10 +18652,9 @@
           <a:lstStyle/>
           <a:p>
             <a:r>
-              <a:rPr lang="en-US" smtClean="0"/>
+              <a:rPr lang="en-US"/>
               <a:t>Click to edit Master title style</a:t>
             </a:r>
-            <a:endParaRPr lang="en-US"/>
           </a:p>
         </p:txBody>
       </p:sp>
@@ -18705,38 +18685,37 @@
           <a:p>
             <a:pPr lvl="0"/>
             <a:r>
-              <a:rPr lang="en-US" smtClean="0"/>
+              <a:rPr lang="en-US"/>
               <a:t>Click to edit Master text styles</a:t>
             </a:r>
           </a:p>
           <a:p>
             <a:pPr lvl="1"/>
             <a:r>
-              <a:rPr lang="en-US" smtClean="0"/>
+              <a:rPr lang="en-US"/>
               <a:t>Second level</a:t>
             </a:r>
           </a:p>
           <a:p>
             <a:pPr lvl="2"/>
             <a:r>
-              <a:rPr lang="en-US" smtClean="0"/>
+              <a:rPr lang="en-US"/>
               <a:t>Third level</a:t>
             </a:r>
           </a:p>
           <a:p>
             <a:pPr lvl="3"/>
             <a:r>
-              <a:rPr lang="en-US" smtClean="0"/>
+              <a:rPr lang="en-US"/>
               <a:t>Fourth level</a:t>
             </a:r>
           </a:p>
           <a:p>
             <a:pPr lvl="4"/>
             <a:r>
-              <a:rPr lang="en-US" smtClean="0"/>
+              <a:rPr lang="en-US"/>
               <a:t>Fifth level</a:t>
             </a:r>
-            <a:endParaRPr lang="en-US"/>
           </a:p>
         </p:txBody>
       </p:sp>
@@ -18775,7 +18754,7 @@
           <a:p>
             <a:fld id="{30BF5E9E-A594-46FD-9DD6-81D730FCBA64}" type="datetimeFigureOut">
               <a:rPr lang="en-US" smtClean="0"/>
-              <a:t>4/23/2023</a:t>
+              <a:t>4/24/23</a:t>
             </a:fld>
             <a:endParaRPr lang="en-US"/>
           </a:p>
@@ -19384,7 +19363,7 @@
               <a:pPr>
                 <a:defRPr/>
               </a:pPr>
-              <a:t>4/23/2023</a:t>
+              <a:t>4/24/23</a:t>
             </a:fld>
             <a:endParaRPr lang="en-US"/>
           </a:p>
@@ -20112,13 +20091,8 @@
             </a:r>
             <a:r>
               <a:rPr lang="en-US" sz="4000" dirty="0"/>
-              <a:t>Verification Test Suite for </a:t>
-            </a:r>
-            <a:r>
-              <a:rPr lang="en-US" sz="4000" dirty="0" smtClean="0"/>
-              <a:t>SA-neg-QCR2000-R Turbulence Model </a:t>
-            </a:r>
-            <a:endParaRPr lang="en-US" sz="4000" dirty="0"/>
+              <a:t>Verification Test Suite for SA-neg-QCR2000-R Turbulence Model </a:t>
+            </a:r>
           </a:p>
           <a:p>
             <a:pPr algn="ctr" eaLnBrk="1" hangingPunct="1"/>
@@ -20129,24 +20103,24 @@
           <a:p>
             <a:pPr algn="ctr" eaLnBrk="1" hangingPunct="1"/>
             <a:r>
-              <a:rPr lang="en-US" sz="2000" b="1" u="sng" dirty="0" smtClean="0">
+              <a:rPr lang="en-US" sz="2000" b="1" u="sng" dirty="0">
                 <a:latin typeface="Arial" charset="0"/>
               </a:rPr>
               <a:t>Boris Diskin</a:t>
             </a:r>
             <a:r>
-              <a:rPr lang="en-US" sz="2000" dirty="0" smtClean="0">
+              <a:rPr lang="en-US" sz="2000" dirty="0">
                 <a:latin typeface="Arial" charset="0"/>
               </a:rPr>
               <a:t>, </a:t>
             </a:r>
             <a:r>
-              <a:rPr lang="en-US" sz="2000" b="1" dirty="0" smtClean="0">
+              <a:rPr lang="en-US" sz="2000" b="1" dirty="0">
                 <a:latin typeface="Arial" charset="0"/>
               </a:rPr>
               <a:t>Yi Liu </a:t>
             </a:r>
-            <a:endParaRPr lang="en-US" sz="2000" dirty="0" smtClean="0">
+            <a:endParaRPr lang="en-US" sz="2000" dirty="0">
               <a:latin typeface="Arial" charset="0"/>
             </a:endParaRPr>
           </a:p>
@@ -20157,12 +20131,12 @@
               </a:spcAft>
             </a:pPr>
             <a:r>
-              <a:rPr lang="en-US" sz="2000" i="1" dirty="0" smtClean="0">
+              <a:rPr lang="en-US" sz="2000" i="1" dirty="0">
                 <a:latin typeface="Arial" charset="0"/>
               </a:rPr>
               <a:t>National Institute of Aerospace, USA</a:t>
             </a:r>
-            <a:endParaRPr lang="en-US" sz="1800" b="0" i="1" u="none" strike="noStrike" baseline="0" dirty="0" smtClean="0">
+            <a:endParaRPr lang="en-US" sz="1800" b="0" i="1" u="none" strike="noStrike" baseline="0" dirty="0">
               <a:solidFill>
                 <a:srgbClr val="000000"/>
               </a:solidFill>
@@ -20172,13 +20146,13 @@
           <a:p>
             <a:pPr algn="ctr" eaLnBrk="1" hangingPunct="1"/>
             <a:r>
-              <a:rPr lang="en-US" sz="2000" b="1" dirty="0" smtClean="0">
+              <a:rPr lang="en-US" sz="2000" b="1" dirty="0">
                 <a:latin typeface="Arial" charset="0"/>
               </a:rPr>
               <a:t>Marshall Galbraith</a:t>
             </a:r>
             <a:r>
-              <a:rPr lang="en-US" sz="2000" dirty="0" smtClean="0">
+              <a:rPr lang="en-US" sz="2000" dirty="0">
                 <a:latin typeface="Arial" charset="0"/>
               </a:rPr>
               <a:t> </a:t>
@@ -20200,26 +20174,17 @@
           <a:p>
             <a:pPr algn="ctr" eaLnBrk="1" hangingPunct="1"/>
             <a:r>
-              <a:rPr lang="en-US" sz="2000" b="1" dirty="0" err="1" smtClean="0">
+              <a:rPr lang="en-US" sz="2000" b="1" dirty="0" err="1">
                 <a:latin typeface="Arial" charset="0"/>
               </a:rPr>
               <a:t>Cosimo</a:t>
             </a:r>
             <a:r>
-              <a:rPr lang="en-US" sz="2000" b="1" dirty="0" smtClean="0">
+              <a:rPr lang="en-US" sz="2000" b="1" dirty="0">
                 <a:latin typeface="Arial" charset="0"/>
               </a:rPr>
-              <a:t> </a:t>
-            </a:r>
-            <a:r>
-              <a:rPr lang="en-US" sz="2000" b="1" dirty="0" err="1">
-                <a:latin typeface="Arial" charset="0"/>
-              </a:rPr>
-              <a:t>Morisco</a:t>
-            </a:r>
-            <a:endParaRPr lang="en-US" sz="2000" b="1" dirty="0">
-              <a:latin typeface="Arial" charset="0"/>
-            </a:endParaRPr>
+              <a:t> Tarsia Morisco</a:t>
+            </a:r>
           </a:p>
           <a:p>
             <a:pPr algn="ctr" eaLnBrk="1" hangingPunct="1">
@@ -20242,7 +20207,7 @@
           </a:p>
           <a:p>
             <a:pPr algn="ctr" eaLnBrk="1" hangingPunct="1"/>
-            <a:endParaRPr lang="en-US" sz="2000" i="1" dirty="0" smtClean="0">
+            <a:endParaRPr lang="en-US" sz="2000" i="1" dirty="0">
               <a:latin typeface="Arial" charset="0"/>
             </a:endParaRPr>
           </a:p>
@@ -20261,7 +20226,7 @@
           <a:p>
             <a:pPr algn="ctr" eaLnBrk="1" hangingPunct="1"/>
             <a:r>
-              <a:rPr lang="en-US" sz="1600" dirty="0" smtClean="0">
+              <a:rPr lang="en-US" sz="1600" dirty="0">
                 <a:latin typeface="Arial" charset="0"/>
               </a:rPr>
               <a:t>High-Fidelity CFD Verification Workshop</a:t>
@@ -20270,14 +20235,11 @@
           <a:p>
             <a:pPr algn="ctr" eaLnBrk="1" hangingPunct="1"/>
             <a:r>
-              <a:rPr lang="en-US" sz="1600" dirty="0" smtClean="0">
+              <a:rPr lang="en-US" sz="1600" dirty="0">
                 <a:latin typeface="Arial" charset="0"/>
               </a:rPr>
               <a:t>January x, 2024</a:t>
             </a:r>
-            <a:endParaRPr lang="en-US" sz="1600" dirty="0">
-              <a:latin typeface="Arial" charset="0"/>
-            </a:endParaRPr>
           </a:p>
         </p:txBody>
       </p:sp>
@@ -20398,7 +20360,7 @@
               <a:tabLst/>
             </a:pPr>
             <a:r>
-              <a:rPr kumimoji="0" lang="en-US" altLang="en-US" sz="900" b="0" i="0" u="none" strike="noStrike" cap="none" normalizeH="0" baseline="0" smtClean="0">
+              <a:rPr kumimoji="0" lang="en-US" altLang="en-US" sz="900" b="0" i="0" u="none" strike="noStrike" cap="none" normalizeH="0" baseline="0">
                 <a:ln>
                   <a:noFill/>
                 </a:ln>
@@ -20410,7 +20372,7 @@
               </a:rPr>
               <a:t>Cosimo Tarsia Morisco</a:t>
             </a:r>
-            <a:endParaRPr kumimoji="0" lang="en-US" altLang="en-US" sz="1800" b="0" i="0" u="none" strike="noStrike" cap="none" normalizeH="0" baseline="0" smtClean="0">
+            <a:endParaRPr kumimoji="0" lang="en-US" altLang="en-US" sz="1800" b="0" i="0" u="none" strike="noStrike" cap="none" normalizeH="0" baseline="0">
               <a:ln>
                 <a:noFill/>
               </a:ln>
@@ -20499,7 +20461,7 @@
               <a:tabLst/>
             </a:pPr>
             <a:r>
-              <a:rPr kumimoji="0" lang="en-US" altLang="en-US" sz="900" b="0" i="0" u="none" strike="noStrike" cap="none" normalizeH="0" baseline="0" smtClean="0">
+              <a:rPr kumimoji="0" lang="en-US" altLang="en-US" sz="900" b="0" i="0" u="none" strike="noStrike" cap="none" normalizeH="0" baseline="0">
                 <a:ln>
                   <a:noFill/>
                 </a:ln>
@@ -20511,7 +20473,7 @@
               </a:rPr>
               <a:t>Cosimo Tarsia Morisco</a:t>
             </a:r>
-            <a:endParaRPr kumimoji="0" lang="en-US" altLang="en-US" sz="1800" b="0" i="0" u="none" strike="noStrike" cap="none" normalizeH="0" baseline="0" smtClean="0">
+            <a:endParaRPr kumimoji="0" lang="en-US" altLang="en-US" sz="1800" b="0" i="0" u="none" strike="noStrike" cap="none" normalizeH="0" baseline="0">
               <a:ln>
                 <a:noFill/>
               </a:ln>
@@ -20581,17 +20543,9 @@
             <a:br>
               <a:rPr lang="en-US" sz="4800" dirty="0"/>
             </a:br>
-            <a:r>
-              <a:rPr lang="en-US" sz="4800" dirty="0"/>
-              <a:t/>
-            </a:r>
             <a:br>
               <a:rPr lang="en-US" sz="4800" dirty="0"/>
             </a:br>
-            <a:r>
-              <a:rPr lang="en-US" dirty="0"/>
-              <a:t/>
-            </a:r>
             <a:br>
               <a:rPr lang="en-US" dirty="0"/>
             </a:br>
@@ -20671,7 +20625,7 @@
           <p:cNvPr id="2" name="Title 1">
             <a:extLst>
               <a:ext uri="{FF2B5EF4-FFF2-40B4-BE49-F238E27FC236}">
-                <a16:creationId xmlns="" xmlns:a16="http://schemas.microsoft.com/office/drawing/2014/main" id="{B5F14809-EFE0-4046-B930-BBC7DA8D1867}"/>
+                <a16:creationId xmlns:a16="http://schemas.microsoft.com/office/drawing/2014/main" id="{B5F14809-EFE0-4046-B930-BBC7DA8D1867}"/>
               </a:ext>
             </a:extLst>
           </p:cNvPr>
@@ -20695,32 +20649,11 @@
           <a:lstStyle/>
           <a:p>
             <a:r>
-              <a:rPr lang="en-US" sz="3200" dirty="0" smtClean="0">
-                <a:latin typeface="Arial" panose="020B0604020202020204" pitchFamily="34" charset="0"/>
-                <a:cs typeface="Arial" panose="020B0604020202020204" pitchFamily="34" charset="0"/>
-              </a:rPr>
-              <a:t>JA</a:t>
-            </a:r>
-            <a:r>
               <a:rPr lang="en-US" sz="3200" dirty="0">
                 <a:latin typeface="Arial" panose="020B0604020202020204" pitchFamily="34" charset="0"/>
                 <a:cs typeface="Arial" panose="020B0604020202020204" pitchFamily="34" charset="0"/>
               </a:rPr>
-              <a:t>: Geometry, Grids, Solvers, </a:t>
-            </a:r>
-            <a:r>
-              <a:rPr lang="en-US" sz="3200" dirty="0" smtClean="0">
-                <a:latin typeface="Arial" panose="020B0604020202020204" pitchFamily="34" charset="0"/>
-                <a:cs typeface="Arial" panose="020B0604020202020204" pitchFamily="34" charset="0"/>
-              </a:rPr>
-              <a:t>Flow </a:t>
-            </a:r>
-            <a:r>
-              <a:rPr lang="en-US" sz="3200" dirty="0">
-                <a:latin typeface="Arial" panose="020B0604020202020204" pitchFamily="34" charset="0"/>
-                <a:cs typeface="Arial" panose="020B0604020202020204" pitchFamily="34" charset="0"/>
-              </a:rPr>
-              <a:t>and Boundary Conditions</a:t>
+              <a:t>JA: Geometry, Grids, Solvers, Flow and Boundary Conditions</a:t>
             </a:r>
           </a:p>
         </p:txBody>
@@ -20730,7 +20663,7 @@
           <p:cNvPr id="10" name="Rectangle 3">
             <a:extLst>
               <a:ext uri="{FF2B5EF4-FFF2-40B4-BE49-F238E27FC236}">
-                <a16:creationId xmlns="" xmlns:a16="http://schemas.microsoft.com/office/drawing/2014/main" id="{14F7FFFF-EEF6-6747-84E6-744A4ED61D0E}"/>
+                <a16:creationId xmlns:a16="http://schemas.microsoft.com/office/drawing/2014/main" id="{14F7FFFF-EEF6-6747-84E6-744A4ED61D0E}"/>
               </a:ext>
             </a:extLst>
           </p:cNvPr>
@@ -20909,25 +20842,8 @@
                 <a:latin typeface="Helvetica" panose="020B0604020202020204" pitchFamily="34" charset="0"/>
                 <a:cs typeface="Helvetica" panose="020B0604020202020204" pitchFamily="34" charset="0"/>
               </a:rPr>
-              <a:t>2D tri/quad </a:t>
-            </a:r>
-            <a:r>
-              <a:rPr lang="en-US" sz="1800" b="1" dirty="0" smtClean="0">
-                <a:solidFill>
-                  <a:srgbClr val="1E1E7D"/>
-                </a:solidFill>
-                <a:latin typeface="Helvetica" panose="020B0604020202020204" pitchFamily="34" charset="0"/>
-                <a:cs typeface="Helvetica" panose="020B0604020202020204" pitchFamily="34" charset="0"/>
-              </a:rPr>
-              <a:t>fixed grids</a:t>
-            </a:r>
-            <a:endParaRPr lang="en-US" sz="1800" b="1" dirty="0">
-              <a:solidFill>
-                <a:srgbClr val="1E1E7D"/>
-              </a:solidFill>
-              <a:latin typeface="Helvetica" panose="020B0604020202020204" pitchFamily="34" charset="0"/>
-              <a:cs typeface="Helvetica" panose="020B0604020202020204" pitchFamily="34" charset="0"/>
-            </a:endParaRPr>
+              <a:t>2D tri/quad fixed grids</a:t>
+            </a:r>
           </a:p>
         </p:txBody>
       </p:sp>
@@ -20936,7 +20852,7 @@
           <p:cNvPr id="60" name="Slide Number Placeholder 4">
             <a:extLst>
               <a:ext uri="{FF2B5EF4-FFF2-40B4-BE49-F238E27FC236}">
-                <a16:creationId xmlns="" xmlns:a16="http://schemas.microsoft.com/office/drawing/2014/main" id="{F373EE26-DD49-4611-85AB-F6ABB4BFAEB0}"/>
+                <a16:creationId xmlns:a16="http://schemas.microsoft.com/office/drawing/2014/main" id="{F373EE26-DD49-4611-85AB-F6ABB4BFAEB0}"/>
               </a:ext>
             </a:extLst>
           </p:cNvPr>
@@ -21103,7 +21019,7 @@
           <p:cNvPr id="9" name="Table 8">
             <a:extLst>
               <a:ext uri="{FF2B5EF4-FFF2-40B4-BE49-F238E27FC236}">
-                <a16:creationId xmlns="" xmlns:a16="http://schemas.microsoft.com/office/drawing/2014/main" id="{904D242D-94C8-6041-AA39-E4BACAEEF578}"/>
+                <a16:creationId xmlns:a16="http://schemas.microsoft.com/office/drawing/2014/main" id="{904D242D-94C8-6041-AA39-E4BACAEEF578}"/>
               </a:ext>
             </a:extLst>
           </p:cNvPr>
@@ -21132,14 +21048,14 @@
                 <a:gridCol w="795643">
                   <a:extLst>
                     <a:ext uri="{9D8B030D-6E8A-4147-A177-3AD203B41FA5}">
-                      <a16:colId xmlns="" xmlns:a16="http://schemas.microsoft.com/office/drawing/2014/main" val="1701909828"/>
+                      <a16:colId xmlns:a16="http://schemas.microsoft.com/office/drawing/2014/main" val="1701909828"/>
                     </a:ext>
                   </a:extLst>
                 </a:gridCol>
                 <a:gridCol w="1303506">
                   <a:extLst>
                     <a:ext uri="{9D8B030D-6E8A-4147-A177-3AD203B41FA5}">
-                      <a16:colId xmlns="" xmlns:a16="http://schemas.microsoft.com/office/drawing/2014/main" val="3448428705"/>
+                      <a16:colId xmlns:a16="http://schemas.microsoft.com/office/drawing/2014/main" val="3448428705"/>
                     </a:ext>
                   </a:extLst>
                 </a:gridCol>
@@ -21191,7 +21107,7 @@
                 </a:tc>
                 <a:extLst>
                   <a:ext uri="{0D108BD9-81ED-4DB2-BD59-A6C34878D82A}">
-                    <a16:rowId xmlns="" xmlns:a16="http://schemas.microsoft.com/office/drawing/2014/main" val="389593252"/>
+                    <a16:rowId xmlns:a16="http://schemas.microsoft.com/office/drawing/2014/main" val="389593252"/>
                   </a:ext>
                 </a:extLst>
               </a:tr>
@@ -21225,7 +21141,7 @@
                     <a:p>
                       <a:pPr algn="ctr"/>
                       <a:r>
-                        <a:rPr lang="en-US" sz="1800" kern="1200" dirty="0" smtClean="0"/>
+                        <a:rPr lang="en-US" sz="1800" kern="1200" dirty="0"/>
                         <a:t>816</a:t>
                       </a:r>
                       <a:endParaRPr lang="en-US" sz="1800" kern="1200" dirty="0">
@@ -21242,7 +21158,7 @@
                 </a:tc>
                 <a:extLst>
                   <a:ext uri="{0D108BD9-81ED-4DB2-BD59-A6C34878D82A}">
-                    <a16:rowId xmlns="" xmlns:a16="http://schemas.microsoft.com/office/drawing/2014/main" val="3233915350"/>
+                    <a16:rowId xmlns:a16="http://schemas.microsoft.com/office/drawing/2014/main" val="3233915350"/>
                   </a:ext>
                 </a:extLst>
               </a:tr>
@@ -21276,7 +21192,7 @@
                     <a:p>
                       <a:pPr algn="ctr"/>
                       <a:r>
-                        <a:rPr lang="en-US" sz="1800" kern="1200" dirty="0" smtClean="0"/>
+                        <a:rPr lang="en-US" sz="1800" kern="1200" dirty="0"/>
                         <a:t>3168</a:t>
                       </a:r>
                       <a:endParaRPr lang="en-US" sz="1800" kern="1200" dirty="0">
@@ -21293,7 +21209,7 @@
                 </a:tc>
                 <a:extLst>
                   <a:ext uri="{0D108BD9-81ED-4DB2-BD59-A6C34878D82A}">
-                    <a16:rowId xmlns="" xmlns:a16="http://schemas.microsoft.com/office/drawing/2014/main" val="543943007"/>
+                    <a16:rowId xmlns:a16="http://schemas.microsoft.com/office/drawing/2014/main" val="543943007"/>
                   </a:ext>
                 </a:extLst>
               </a:tr>
@@ -21327,7 +21243,7 @@
                     <a:p>
                       <a:pPr algn="ctr"/>
                       <a:r>
-                        <a:rPr lang="en-US" sz="1800" kern="1200" dirty="0" smtClean="0"/>
+                        <a:rPr lang="en-US" sz="1800" kern="1200" dirty="0"/>
                         <a:t>12,480</a:t>
                       </a:r>
                       <a:endParaRPr lang="en-US" sz="1800" kern="1200" dirty="0">
@@ -21344,7 +21260,7 @@
                 </a:tc>
                 <a:extLst>
                   <a:ext uri="{0D108BD9-81ED-4DB2-BD59-A6C34878D82A}">
-                    <a16:rowId xmlns="" xmlns:a16="http://schemas.microsoft.com/office/drawing/2014/main" val="496176505"/>
+                    <a16:rowId xmlns:a16="http://schemas.microsoft.com/office/drawing/2014/main" val="496176505"/>
                   </a:ext>
                 </a:extLst>
               </a:tr>
@@ -21378,7 +21294,7 @@
                     <a:p>
                       <a:pPr algn="ctr"/>
                       <a:r>
-                        <a:rPr lang="en-US" sz="1800" kern="1200" dirty="0" smtClean="0"/>
+                        <a:rPr lang="en-US" sz="1800" kern="1200" dirty="0"/>
                         <a:t>49,536</a:t>
                       </a:r>
                       <a:endParaRPr lang="en-US" sz="1800" kern="1200" dirty="0">
@@ -21395,7 +21311,7 @@
                 </a:tc>
                 <a:extLst>
                   <a:ext uri="{0D108BD9-81ED-4DB2-BD59-A6C34878D82A}">
-                    <a16:rowId xmlns="" xmlns:a16="http://schemas.microsoft.com/office/drawing/2014/main" val="2348710718"/>
+                    <a16:rowId xmlns:a16="http://schemas.microsoft.com/office/drawing/2014/main" val="2348710718"/>
                   </a:ext>
                 </a:extLst>
               </a:tr>
@@ -21429,7 +21345,7 @@
                     <a:p>
                       <a:pPr algn="ctr"/>
                       <a:r>
-                        <a:rPr lang="en-US" sz="1800" kern="1200" dirty="0" smtClean="0"/>
+                        <a:rPr lang="en-US" sz="1800" kern="1200" dirty="0"/>
                         <a:t>197,376</a:t>
                       </a:r>
                       <a:endParaRPr lang="en-US" sz="1800" kern="1200" dirty="0">
@@ -21446,7 +21362,7 @@
                 </a:tc>
                 <a:extLst>
                   <a:ext uri="{0D108BD9-81ED-4DB2-BD59-A6C34878D82A}">
-                    <a16:rowId xmlns="" xmlns:a16="http://schemas.microsoft.com/office/drawing/2014/main" val="440981233"/>
+                    <a16:rowId xmlns:a16="http://schemas.microsoft.com/office/drawing/2014/main" val="440981233"/>
                   </a:ext>
                 </a:extLst>
               </a:tr>
@@ -21480,7 +21396,7 @@
                     <a:p>
                       <a:pPr algn="ctr"/>
                       <a:r>
-                        <a:rPr lang="en-US" sz="1800" kern="1200" dirty="0" smtClean="0"/>
+                        <a:rPr lang="en-US" sz="1800" kern="1200" dirty="0"/>
                         <a:t>787,968</a:t>
                       </a:r>
                       <a:endParaRPr lang="en-US" sz="1800" kern="1200" dirty="0">
@@ -21497,7 +21413,7 @@
                 </a:tc>
                 <a:extLst>
                   <a:ext uri="{0D108BD9-81ED-4DB2-BD59-A6C34878D82A}">
-                    <a16:rowId xmlns="" xmlns:a16="http://schemas.microsoft.com/office/drawing/2014/main" val="3644615425"/>
+                    <a16:rowId xmlns:a16="http://schemas.microsoft.com/office/drawing/2014/main" val="3644615425"/>
                   </a:ext>
                 </a:extLst>
               </a:tr>
@@ -21510,7 +21426,7 @@
           <p:cNvPr id="11" name="Group 10">
             <a:extLst>
               <a:ext uri="{FF2B5EF4-FFF2-40B4-BE49-F238E27FC236}">
-                <a16:creationId xmlns="" xmlns:a16="http://schemas.microsoft.com/office/drawing/2014/main" id="{F2D17FDC-9B25-419F-969A-35A318A6ED13}"/>
+                <a16:creationId xmlns:a16="http://schemas.microsoft.com/office/drawing/2014/main" id="{F2D17FDC-9B25-419F-969A-35A318A6ED13}"/>
               </a:ext>
             </a:extLst>
           </p:cNvPr>
@@ -21530,7 +21446,7 @@
             <p:cNvPr id="78" name="Group 77">
               <a:extLst>
                 <a:ext uri="{FF2B5EF4-FFF2-40B4-BE49-F238E27FC236}">
-                  <a16:creationId xmlns="" xmlns:a16="http://schemas.microsoft.com/office/drawing/2014/main" id="{6BE32DC7-908D-4B29-ADA3-CA9B68262D1F}"/>
+                  <a16:creationId xmlns:a16="http://schemas.microsoft.com/office/drawing/2014/main" id="{6BE32DC7-908D-4B29-ADA3-CA9B68262D1F}"/>
                 </a:ext>
               </a:extLst>
             </p:cNvPr>
@@ -21550,7 +21466,7 @@
               <p:cNvPr id="5" name="Picture 4" descr="Diagram&#10;&#10;Description automatically generated">
                 <a:extLst>
                   <a:ext uri="{FF2B5EF4-FFF2-40B4-BE49-F238E27FC236}">
-                    <a16:creationId xmlns="" xmlns:a16="http://schemas.microsoft.com/office/drawing/2014/main" id="{242DFDAB-3CB3-431A-A995-BC03DC2767C9}"/>
+                    <a16:creationId xmlns:a16="http://schemas.microsoft.com/office/drawing/2014/main" id="{242DFDAB-3CB3-431A-A995-BC03DC2767C9}"/>
                   </a:ext>
                 </a:extLst>
               </p:cNvPr>
@@ -21585,7 +21501,7 @@
               <p:cNvPr id="28" name="TextBox 27">
                 <a:extLst>
                   <a:ext uri="{FF2B5EF4-FFF2-40B4-BE49-F238E27FC236}">
-                    <a16:creationId xmlns="" xmlns:a16="http://schemas.microsoft.com/office/drawing/2014/main" id="{07084402-C4D1-4021-BBD6-522C455066A7}"/>
+                    <a16:creationId xmlns:a16="http://schemas.microsoft.com/office/drawing/2014/main" id="{07084402-C4D1-4021-BBD6-522C455066A7}"/>
                   </a:ext>
                 </a:extLst>
               </p:cNvPr>
@@ -21628,7 +21544,7 @@
               <p:cNvPr id="40" name="Straight Arrow Connector 39">
                 <a:extLst>
                   <a:ext uri="{FF2B5EF4-FFF2-40B4-BE49-F238E27FC236}">
-                    <a16:creationId xmlns="" xmlns:a16="http://schemas.microsoft.com/office/drawing/2014/main" id="{0508428D-017C-4B05-B6D6-897F1E728DC9}"/>
+                    <a16:creationId xmlns:a16="http://schemas.microsoft.com/office/drawing/2014/main" id="{0508428D-017C-4B05-B6D6-897F1E728DC9}"/>
                   </a:ext>
                 </a:extLst>
               </p:cNvPr>
@@ -21665,7 +21581,7 @@
               <p:cNvPr id="44" name="Straight Arrow Connector 43">
                 <a:extLst>
                   <a:ext uri="{FF2B5EF4-FFF2-40B4-BE49-F238E27FC236}">
-                    <a16:creationId xmlns="" xmlns:a16="http://schemas.microsoft.com/office/drawing/2014/main" id="{0A189E01-B755-4D2E-8706-8B0975BD6F99}"/>
+                    <a16:creationId xmlns:a16="http://schemas.microsoft.com/office/drawing/2014/main" id="{0A189E01-B755-4D2E-8706-8B0975BD6F99}"/>
                   </a:ext>
                 </a:extLst>
               </p:cNvPr>
@@ -21703,7 +21619,7 @@
             <p:cNvPr id="77" name="Group 76">
               <a:extLst>
                 <a:ext uri="{FF2B5EF4-FFF2-40B4-BE49-F238E27FC236}">
-                  <a16:creationId xmlns="" xmlns:a16="http://schemas.microsoft.com/office/drawing/2014/main" id="{35C2471D-686F-4347-984C-68F189BC4018}"/>
+                  <a16:creationId xmlns:a16="http://schemas.microsoft.com/office/drawing/2014/main" id="{35C2471D-686F-4347-984C-68F189BC4018}"/>
                 </a:ext>
               </a:extLst>
             </p:cNvPr>
@@ -21723,7 +21639,7 @@
               <p:cNvPr id="22" name="Picture 21" descr="Chart&#10;&#10;Description automatically generated">
                 <a:extLst>
                   <a:ext uri="{FF2B5EF4-FFF2-40B4-BE49-F238E27FC236}">
-                    <a16:creationId xmlns="" xmlns:a16="http://schemas.microsoft.com/office/drawing/2014/main" id="{3788F2C9-16B8-4982-9522-3D8099940383}"/>
+                    <a16:creationId xmlns:a16="http://schemas.microsoft.com/office/drawing/2014/main" id="{3788F2C9-16B8-4982-9522-3D8099940383}"/>
                   </a:ext>
                 </a:extLst>
               </p:cNvPr>
@@ -21758,7 +21674,7 @@
               <p:cNvPr id="48" name="Left Arrow 47">
                 <a:extLst>
                   <a:ext uri="{FF2B5EF4-FFF2-40B4-BE49-F238E27FC236}">
-                    <a16:creationId xmlns="" xmlns:a16="http://schemas.microsoft.com/office/drawing/2014/main" id="{AFBC7522-9C4C-F94A-BFE2-804A8483D213}"/>
+                    <a16:creationId xmlns:a16="http://schemas.microsoft.com/office/drawing/2014/main" id="{AFBC7522-9C4C-F94A-BFE2-804A8483D213}"/>
                   </a:ext>
                 </a:extLst>
               </p:cNvPr>
@@ -21819,7 +21735,7 @@
               <p:cNvPr id="32" name="TextBox 31">
                 <a:extLst>
                   <a:ext uri="{FF2B5EF4-FFF2-40B4-BE49-F238E27FC236}">
-                    <a16:creationId xmlns="" xmlns:a16="http://schemas.microsoft.com/office/drawing/2014/main" id="{127406C5-47CE-4F2E-B14F-447665AFB351}"/>
+                    <a16:creationId xmlns:a16="http://schemas.microsoft.com/office/drawing/2014/main" id="{127406C5-47CE-4F2E-B14F-447665AFB351}"/>
                   </a:ext>
                 </a:extLst>
               </p:cNvPr>
@@ -21862,7 +21778,7 @@
               <p:cNvPr id="52" name="Straight Arrow Connector 51">
                 <a:extLst>
                   <a:ext uri="{FF2B5EF4-FFF2-40B4-BE49-F238E27FC236}">
-                    <a16:creationId xmlns="" xmlns:a16="http://schemas.microsoft.com/office/drawing/2014/main" id="{AFBC1063-A857-48E9-B7C3-E7111F5B3CFE}"/>
+                    <a16:creationId xmlns:a16="http://schemas.microsoft.com/office/drawing/2014/main" id="{AFBC1063-A857-48E9-B7C3-E7111F5B3CFE}"/>
                   </a:ext>
                 </a:extLst>
               </p:cNvPr>
@@ -21902,7 +21818,7 @@
                 <p:cNvPr id="13" name="Rectangle 3">
                   <a:extLst>
                     <a:ext uri="{FF2B5EF4-FFF2-40B4-BE49-F238E27FC236}">
-                      <a16:creationId xmlns="" xmlns:a16="http://schemas.microsoft.com/office/drawing/2014/main" id="{D50C82D1-B029-A349-94EC-800A61A74402}"/>
+                      <a16:creationId xmlns:a16="http://schemas.microsoft.com/office/drawing/2014/main" id="{D50C82D1-B029-A349-94EC-800A61A74402}"/>
                     </a:ext>
                   </a:extLst>
                 </p:cNvPr>
@@ -22250,7 +22166,7 @@
                     <a:t>, </a:t>
                   </a:r>
                   <a:r>
-                    <a:rPr lang="en-US" sz="1800" b="1" dirty="0" err="1" smtClean="0">
+                    <a:rPr lang="en-US" sz="1800" b="1" dirty="0" err="1">
                       <a:solidFill>
                         <a:srgbClr val="0070C0"/>
                       </a:solidFill>
@@ -22260,7 +22176,7 @@
                     <a:t>T</a:t>
                   </a:r>
                   <a:r>
-                    <a:rPr lang="en-US" sz="1800" b="1" baseline="-25000" dirty="0" err="1" smtClean="0">
+                    <a:rPr lang="en-US" sz="1800" b="1" baseline="-25000" dirty="0" err="1">
                       <a:solidFill>
                         <a:srgbClr val="0070C0"/>
                       </a:solidFill>
@@ -22270,16 +22186,6 @@
                     <a:t>ref</a:t>
                   </a:r>
                   <a:r>
-                    <a:rPr lang="en-US" sz="1800" b="1" dirty="0" smtClean="0">
-                      <a:solidFill>
-                        <a:srgbClr val="0070C0"/>
-                      </a:solidFill>
-                      <a:latin typeface="Helvetica"/>
-                      <a:cs typeface="Helvetica"/>
-                    </a:rPr>
-                    <a:t> </a:t>
-                  </a:r>
-                  <a:r>
                     <a:rPr lang="en-US" sz="1800" b="1" dirty="0">
                       <a:solidFill>
                         <a:srgbClr val="0070C0"/>
@@ -22287,25 +22193,8 @@
                       <a:latin typeface="Helvetica"/>
                       <a:cs typeface="Helvetica"/>
                     </a:rPr>
-                    <a:t>= 520 </a:t>
+                    <a:t> = 520 R</a:t>
                   </a:r>
-                  <a:r>
-                    <a:rPr lang="en-US" sz="1800" b="1" dirty="0" smtClean="0">
-                      <a:solidFill>
-                        <a:srgbClr val="0070C0"/>
-                      </a:solidFill>
-                      <a:latin typeface="Helvetica"/>
-                      <a:cs typeface="Helvetica"/>
-                    </a:rPr>
-                    <a:t>R</a:t>
-                  </a:r>
-                  <a:endParaRPr lang="en-US" sz="1800" b="1" dirty="0">
-                    <a:solidFill>
-                      <a:srgbClr val="0070C0"/>
-                    </a:solidFill>
-                    <a:latin typeface="Helvetica"/>
-                    <a:cs typeface="Helvetica"/>
-                  </a:endParaRPr>
                 </a:p>
               </p:txBody>
             </p:sp>
@@ -22360,7 +22249,7 @@
             <p:cNvPr id="24" name="Picture 23" descr="Chart&#10;&#10;Description automatically generated">
               <a:extLst>
                 <a:ext uri="{FF2B5EF4-FFF2-40B4-BE49-F238E27FC236}">
-                  <a16:creationId xmlns="" xmlns:a16="http://schemas.microsoft.com/office/drawing/2014/main" id="{0B5427B1-F830-4794-A39F-02BD7908E951}"/>
+                  <a16:creationId xmlns:a16="http://schemas.microsoft.com/office/drawing/2014/main" id="{0B5427B1-F830-4794-A39F-02BD7908E951}"/>
                 </a:ext>
               </a:extLst>
             </p:cNvPr>
@@ -22395,7 +22284,7 @@
             <p:cNvPr id="25" name="Picture 24">
               <a:extLst>
                 <a:ext uri="{FF2B5EF4-FFF2-40B4-BE49-F238E27FC236}">
-                  <a16:creationId xmlns="" xmlns:a16="http://schemas.microsoft.com/office/drawing/2014/main" id="{98195E11-3B07-4CCB-ACD4-0DBC8F83C195}"/>
+                  <a16:creationId xmlns:a16="http://schemas.microsoft.com/office/drawing/2014/main" id="{98195E11-3B07-4CCB-ACD4-0DBC8F83C195}"/>
                 </a:ext>
               </a:extLst>
             </p:cNvPr>
@@ -22425,7 +22314,7 @@
           <p:cNvPr id="26" name="TextBox 25">
             <a:extLst>
               <a:ext uri="{FF2B5EF4-FFF2-40B4-BE49-F238E27FC236}">
-                <a16:creationId xmlns:a16="http://schemas.microsoft.com/office/drawing/2014/main" xmlns="" id="{24B1D4E3-C4EB-470B-8A99-E48E6856676F}"/>
+                <a16:creationId xmlns:a16="http://schemas.microsoft.com/office/drawing/2014/main" id="{24B1D4E3-C4EB-470B-8A99-E48E6856676F}"/>
               </a:ext>
             </a:extLst>
           </p:cNvPr>
@@ -22454,7 +22343,7 @@
               </a:spcAft>
             </a:pPr>
             <a:r>
-              <a:rPr lang="en-US" sz="1600" dirty="0" smtClean="0">
+              <a:rPr lang="en-US" sz="1600" dirty="0">
                 <a:solidFill>
                   <a:srgbClr val="FF0000"/>
                 </a:solidFill>
@@ -22471,148 +22360,7 @@
                 <a:latin typeface="Helvetica" panose="020B0604020202020204" pitchFamily="34" charset="0"/>
                 <a:cs typeface="Helvetica" panose="020B0604020202020204" pitchFamily="34" charset="0"/>
               </a:rPr>
-              <a:t>	</a:t>
-            </a:r>
-            <a:r>
-              <a:rPr lang="en-US" sz="1600" dirty="0" smtClean="0">
-                <a:solidFill>
-                  <a:srgbClr val="1E1E7D"/>
-                </a:solidFill>
-                <a:latin typeface="Helvetica" panose="020B0604020202020204" pitchFamily="34" charset="0"/>
-                <a:cs typeface="Helvetica" panose="020B0604020202020204" pitchFamily="34" charset="0"/>
-              </a:rPr>
-              <a:t>– 2</a:t>
-            </a:r>
-            <a:r>
-              <a:rPr lang="en-US" sz="1600" baseline="30000" dirty="0" smtClean="0">
-                <a:solidFill>
-                  <a:srgbClr val="1E1E7D"/>
-                </a:solidFill>
-                <a:latin typeface="Helvetica" panose="020B0604020202020204" pitchFamily="34" charset="0"/>
-                <a:cs typeface="Helvetica" panose="020B0604020202020204" pitchFamily="34" charset="0"/>
-              </a:rPr>
-              <a:t>nd</a:t>
-            </a:r>
-            <a:r>
-              <a:rPr lang="en-US" sz="1600" dirty="0" smtClean="0">
-                <a:solidFill>
-                  <a:srgbClr val="1E1E7D"/>
-                </a:solidFill>
-                <a:latin typeface="Helvetica" panose="020B0604020202020204" pitchFamily="34" charset="0"/>
-                <a:cs typeface="Helvetica" panose="020B0604020202020204" pitchFamily="34" charset="0"/>
-              </a:rPr>
-              <a:t> order</a:t>
-            </a:r>
-            <a:r>
-              <a:rPr lang="en-US" sz="1600" dirty="0">
-                <a:solidFill>
-                  <a:srgbClr val="1E1E7D"/>
-                </a:solidFill>
-                <a:latin typeface="Helvetica" panose="020B0604020202020204" pitchFamily="34" charset="0"/>
-                <a:cs typeface="Helvetica" panose="020B0604020202020204" pitchFamily="34" charset="0"/>
-              </a:rPr>
-              <a:t>, finite-volume, unstructured-grid, node-centered </a:t>
-            </a:r>
-            <a:r>
-              <a:rPr lang="en-US" sz="1600" dirty="0" smtClean="0">
-                <a:solidFill>
-                  <a:srgbClr val="1E1E7D"/>
-                </a:solidFill>
-                <a:latin typeface="Helvetica" panose="020B0604020202020204" pitchFamily="34" charset="0"/>
-                <a:cs typeface="Helvetica" panose="020B0604020202020204" pitchFamily="34" charset="0"/>
-              </a:rPr>
-              <a:t>NASA’s CFD code</a:t>
-            </a:r>
-            <a:endParaRPr lang="en-US" sz="1600" dirty="0">
-              <a:solidFill>
-                <a:srgbClr val="1E1E7D"/>
-              </a:solidFill>
-              <a:latin typeface="Helvetica" panose="020B0604020202020204" pitchFamily="34" charset="0"/>
-              <a:cs typeface="Helvetica" panose="020B0604020202020204" pitchFamily="34" charset="0"/>
-            </a:endParaRPr>
-          </a:p>
-          <a:p>
-            <a:pPr>
-              <a:spcAft>
-                <a:spcPts val="600"/>
-              </a:spcAft>
-            </a:pPr>
-            <a:r>
-              <a:rPr lang="en-US" sz="1600" dirty="0">
-                <a:solidFill>
-                  <a:srgbClr val="FF0000"/>
-                </a:solidFill>
-                <a:latin typeface="Helvetica" panose="020B0604020202020204" pitchFamily="34" charset="0"/>
-                <a:cs typeface="Helvetica" panose="020B0604020202020204" pitchFamily="34" charset="0"/>
-              </a:rPr>
-              <a:t>SANS </a:t>
-            </a:r>
-            <a:r>
-              <a:rPr lang="en-US" sz="1600" dirty="0" smtClean="0">
-                <a:solidFill>
-                  <a:srgbClr val="FF0000"/>
-                </a:solidFill>
-                <a:latin typeface="Helvetica" panose="020B0604020202020204" pitchFamily="34" charset="0"/>
-                <a:cs typeface="Helvetica" panose="020B0604020202020204" pitchFamily="34" charset="0"/>
-              </a:rPr>
-              <a:t>	</a:t>
-            </a:r>
-            <a:r>
-              <a:rPr lang="en-US" sz="1600" dirty="0" smtClean="0">
-                <a:solidFill>
-                  <a:srgbClr val="1E1E7D"/>
-                </a:solidFill>
-                <a:latin typeface="Helvetica" panose="020B0604020202020204" pitchFamily="34" charset="0"/>
-                <a:cs typeface="Helvetica" panose="020B0604020202020204" pitchFamily="34" charset="0"/>
-              </a:rPr>
-              <a:t>– </a:t>
-            </a:r>
-            <a:r>
-              <a:rPr lang="en-US" sz="1600" dirty="0">
-                <a:solidFill>
-                  <a:srgbClr val="1E1E7D"/>
-                </a:solidFill>
-                <a:latin typeface="Helvetica" panose="020B0604020202020204" pitchFamily="34" charset="0"/>
-                <a:cs typeface="Helvetica" panose="020B0604020202020204" pitchFamily="34" charset="0"/>
-              </a:rPr>
-              <a:t>finite-element, adjoint-consistent MIT’s CFD code with polynomials P1, P2, P3</a:t>
-            </a:r>
-          </a:p>
-          <a:p>
-            <a:pPr>
-              <a:spcAft>
-                <a:spcPts val="600"/>
-              </a:spcAft>
-            </a:pPr>
-            <a:r>
-              <a:rPr lang="en-US" sz="1600" dirty="0" smtClean="0">
-                <a:solidFill>
-                  <a:srgbClr val="FF0000"/>
-                </a:solidFill>
-                <a:latin typeface="Helvetica" panose="020B0604020202020204" pitchFamily="34" charset="0"/>
-                <a:cs typeface="Helvetica" panose="020B0604020202020204" pitchFamily="34" charset="0"/>
-              </a:rPr>
-              <a:t>Wolf 	</a:t>
-            </a:r>
-            <a:r>
-              <a:rPr lang="en-US" sz="1600" dirty="0" smtClean="0">
-                <a:solidFill>
-                  <a:srgbClr val="1E1E7D"/>
-                </a:solidFill>
-                <a:latin typeface="Helvetica" panose="020B0604020202020204" pitchFamily="34" charset="0"/>
-                <a:cs typeface="Helvetica" panose="020B0604020202020204" pitchFamily="34" charset="0"/>
-              </a:rPr>
-              <a:t>– </a:t>
-            </a:r>
-            <a:r>
-              <a:rPr lang="en-US" sz="1600" dirty="0">
-                <a:solidFill>
-                  <a:srgbClr val="1E1E7D"/>
-                </a:solidFill>
-                <a:latin typeface="Helvetica" panose="020B0604020202020204" pitchFamily="34" charset="0"/>
-                <a:cs typeface="Helvetica" panose="020B0604020202020204" pitchFamily="34" charset="0"/>
-              </a:rPr>
-              <a:t>2</a:t>
+              <a:t>	– 2</a:t>
             </a:r>
             <a:r>
               <a:rPr lang="en-US" sz="1600" baseline="30000" dirty="0">
@@ -22632,17 +22380,24 @@
                 <a:latin typeface="Helvetica" panose="020B0604020202020204" pitchFamily="34" charset="0"/>
                 <a:cs typeface="Helvetica" panose="020B0604020202020204" pitchFamily="34" charset="0"/>
               </a:rPr>
-              <a:t> order, finite-volume, unstructured-grid, node-centered </a:t>
-            </a:r>
-            <a:r>
-              <a:rPr lang="en-US" sz="1600" dirty="0" smtClean="0">
+              <a:t> order, finite-volume, unstructured-grid, node-centered NASA’s CFD code</a:t>
+            </a:r>
+          </a:p>
+          <a:p>
+            <a:pPr>
+              <a:spcAft>
+                <a:spcPts val="600"/>
+              </a:spcAft>
+            </a:pPr>
+            <a:r>
+              <a:rPr lang="en-US" sz="1600" dirty="0">
                 <a:solidFill>
-                  <a:srgbClr val="1E1E7D"/>
+                  <a:srgbClr val="FF0000"/>
                 </a:solidFill>
                 <a:latin typeface="Helvetica" panose="020B0604020202020204" pitchFamily="34" charset="0"/>
                 <a:cs typeface="Helvetica" panose="020B0604020202020204" pitchFamily="34" charset="0"/>
               </a:rPr>
-              <a:t>INRIA’s </a:t>
+              <a:t>SANS 	</a:t>
             </a:r>
             <a:r>
               <a:rPr lang="en-US" sz="1600" dirty="0">
@@ -22652,17 +22407,54 @@
                 <a:latin typeface="Helvetica" panose="020B0604020202020204" pitchFamily="34" charset="0"/>
                 <a:cs typeface="Helvetica" panose="020B0604020202020204" pitchFamily="34" charset="0"/>
               </a:rPr>
-              <a:t>CFD </a:t>
-            </a:r>
-            <a:r>
-              <a:rPr lang="en-US" sz="1600" dirty="0" smtClean="0">
+              <a:t>– finite-element, adjoint-consistent MIT’s CFD code with polynomials P1, P2, P3</a:t>
+            </a:r>
+          </a:p>
+          <a:p>
+            <a:pPr>
+              <a:spcAft>
+                <a:spcPts val="600"/>
+              </a:spcAft>
+            </a:pPr>
+            <a:r>
+              <a:rPr lang="en-US" sz="1600" dirty="0">
+                <a:solidFill>
+                  <a:srgbClr val="FF0000"/>
+                </a:solidFill>
+                <a:latin typeface="Helvetica" panose="020B0604020202020204" pitchFamily="34" charset="0"/>
+                <a:cs typeface="Helvetica" panose="020B0604020202020204" pitchFamily="34" charset="0"/>
+              </a:rPr>
+              <a:t>Wolf 	</a:t>
+            </a:r>
+            <a:r>
+              <a:rPr lang="en-US" sz="1600" dirty="0">
                 <a:solidFill>
                   <a:srgbClr val="1E1E7D"/>
                 </a:solidFill>
                 <a:latin typeface="Helvetica" panose="020B0604020202020204" pitchFamily="34" charset="0"/>
                 <a:cs typeface="Helvetica" panose="020B0604020202020204" pitchFamily="34" charset="0"/>
               </a:rPr>
-              <a:t>code</a:t>
+              <a:t>– 2</a:t>
+            </a:r>
+            <a:r>
+              <a:rPr lang="en-US" sz="1600" baseline="30000" dirty="0">
+                <a:solidFill>
+                  <a:srgbClr val="1E1E7D"/>
+                </a:solidFill>
+                <a:latin typeface="Helvetica" panose="020B0604020202020204" pitchFamily="34" charset="0"/>
+                <a:cs typeface="Helvetica" panose="020B0604020202020204" pitchFamily="34" charset="0"/>
+              </a:rPr>
+              <a:t>nd</a:t>
+            </a:r>
+            <a:r>
+              <a:rPr lang="en-US" sz="1600" dirty="0">
+                <a:solidFill>
+                  <a:srgbClr val="1E1E7D"/>
+                </a:solidFill>
+                <a:latin typeface="Helvetica" panose="020B0604020202020204" pitchFamily="34" charset="0"/>
+                <a:cs typeface="Helvetica" panose="020B0604020202020204" pitchFamily="34" charset="0"/>
+              </a:rPr>
+              <a:t> order, finite-volume, unstructured-grid, node-centered INRIA’s CFD code</a:t>
             </a:r>
             <a:endParaRPr lang="en-US" sz="1600" dirty="0">
               <a:solidFill>
@@ -22679,7 +22471,7 @@
           <p:cNvPr id="27" name="Rectangle 3">
             <a:extLst>
               <a:ext uri="{FF2B5EF4-FFF2-40B4-BE49-F238E27FC236}">
-                <a16:creationId xmlns:a16="http://schemas.microsoft.com/office/drawing/2014/main" xmlns="" id="{A3DBA3E5-FBF8-49CC-920E-EBEC5C1FA74C}"/>
+                <a16:creationId xmlns:a16="http://schemas.microsoft.com/office/drawing/2014/main" id="{A3DBA3E5-FBF8-49CC-920E-EBEC5C1FA74C}"/>
               </a:ext>
             </a:extLst>
           </p:cNvPr>
@@ -22850,7 +22642,7 @@
               <a:buNone/>
             </a:pPr>
             <a:r>
-              <a:rPr lang="en-US" sz="1800" b="1" dirty="0" smtClean="0">
+              <a:rPr lang="en-US" sz="1800" b="1" dirty="0">
                 <a:solidFill>
                   <a:srgbClr val="1E1E7D"/>
                 </a:solidFill>
@@ -22859,13 +22651,6 @@
               </a:rPr>
               <a:t>RANS Solvers</a:t>
             </a:r>
-            <a:endParaRPr lang="en-US" sz="1800" b="1" dirty="0">
-              <a:solidFill>
-                <a:srgbClr val="1E1E7D"/>
-              </a:solidFill>
-              <a:latin typeface="Helvetica" panose="020B0604020202020204" pitchFamily="34" charset="0"/>
-              <a:cs typeface="Helvetica" panose="020B0604020202020204" pitchFamily="34" charset="0"/>
-            </a:endParaRPr>
           </a:p>
         </p:txBody>
       </p:sp>
@@ -22879,14 +22664,6 @@
   <p:clrMapOvr>
     <a:masterClrMapping/>
   </p:clrMapOvr>
-  <mc:AlternateContent xmlns:mc="http://schemas.openxmlformats.org/markup-compatibility/2006" xmlns:p14="http://schemas.microsoft.com/office/powerpoint/2010/main">
-    <mc:Choice Requires="p14">
-      <p:transition spd="slow" p14:dur="2000"/>
-    </mc:Choice>
-    <mc:Fallback xmlns="">
-      <p:transition spd="slow"/>
-    </mc:Fallback>
-  </mc:AlternateContent>
 </p:sld>
 </file>
 
@@ -22923,10 +22700,9 @@
           <a:lstStyle/>
           <a:p>
             <a:r>
-              <a:rPr lang="en-US" dirty="0" smtClean="0"/>
+              <a:rPr lang="en-US" dirty="0"/>
               <a:t>Total Drag and Viscous Drag</a:t>
             </a:r>
-            <a:endParaRPr lang="en-US" dirty="0"/>
           </a:p>
         </p:txBody>
       </p:sp>
@@ -23024,13 +22800,6 @@
   <p:clrMapOvr>
     <a:masterClrMapping/>
   </p:clrMapOvr>
-  <p:timing>
-    <p:tnLst>
-      <p:par>
-        <p:cTn id="1" dur="indefinite" restart="never" nodeType="tmRoot"/>
-      </p:par>
-    </p:tnLst>
-  </p:timing>
 </p:sld>
 </file>
 
@@ -23067,10 +22836,9 @@
           <a:lstStyle/>
           <a:p>
             <a:r>
-              <a:rPr lang="en-US" dirty="0" smtClean="0"/>
+              <a:rPr lang="en-US" dirty="0"/>
               <a:t>Error in Total and Viscous Drag</a:t>
             </a:r>
-            <a:endParaRPr lang="en-US" dirty="0"/>
           </a:p>
         </p:txBody>
       </p:sp>
@@ -23168,13 +22936,6 @@
   <p:clrMapOvr>
     <a:masterClrMapping/>
   </p:clrMapOvr>
-  <p:timing>
-    <p:tnLst>
-      <p:par>
-        <p:cTn id="1" dur="indefinite" restart="never" nodeType="tmRoot"/>
-      </p:par>
-    </p:tnLst>
-  </p:timing>
 </p:sld>
 </file>
 

--- a/Joukowski_Results/JA_progress.pptx
+++ b/Joukowski_Results/JA_progress.pptx
@@ -22926,6 +22926,41 @@
           </a:prstGeom>
         </p:spPr>
       </p:pic>
+      <p:sp>
+        <p:nvSpPr>
+          <p:cNvPr id="4" name="TextBox 3">
+            <a:extLst>
+              <a:ext uri="{FF2B5EF4-FFF2-40B4-BE49-F238E27FC236}">
+                <a16:creationId xmlns:a16="http://schemas.microsoft.com/office/drawing/2014/main" id="{693DC5B3-98C2-C03C-4592-DC4B8D145A9B}"/>
+              </a:ext>
+            </a:extLst>
+          </p:cNvPr>
+          <p:cNvSpPr txBox="1"/>
+          <p:nvPr/>
+        </p:nvSpPr>
+        <p:spPr>
+          <a:xfrm>
+            <a:off x="1441936" y="1512277"/>
+            <a:ext cx="6342184" cy="369332"/>
+          </a:xfrm>
+          <a:prstGeom prst="rect">
+            <a:avLst/>
+          </a:prstGeom>
+          <a:noFill/>
+        </p:spPr>
+        <p:txBody>
+          <a:bodyPr wrap="square" rtlCol="0">
+            <a:spAutoFit/>
+          </a:bodyPr>
+          <a:lstStyle/>
+          <a:p>
+            <a:r>
+              <a:rPr lang="en-US" dirty="0"/>
+              <a:t>SANS-P3-Adaptive solution on the finest grid is taken as the truth</a:t>
+            </a:r>
+          </a:p>
+        </p:txBody>
+      </p:sp>
     </p:spTree>
     <p:extLst>
       <p:ext uri="{BB962C8B-B14F-4D97-AF65-F5344CB8AC3E}">
